--- a/slides/ng-bootcamp-day-0.pptx
+++ b/slides/ng-bootcamp-day-0.pptx
@@ -246,7 +246,7 @@
           <a:p>
             <a:fld id="{CF73906A-A905-694C-A6E8-CEC315D28254}" type="datetimeFigureOut">
               <a:rPr lang="en-US" smtClean="0"/>
-              <a:t>3/11/14</a:t>
+              <a:t>3/13/14</a:t>
             </a:fld>
             <a:endParaRPr lang="en-US"/>
           </a:p>
@@ -411,7 +411,7 @@
           <a:p>
             <a:fld id="{C28B7F4D-18ED-9746-8672-E0F11BC5C766}" type="datetimeFigureOut">
               <a:rPr lang="en-US" smtClean="0"/>
-              <a:t>3/11/14</a:t>
+              <a:t>3/13/14</a:t>
             </a:fld>
             <a:endParaRPr lang="en-US"/>
           </a:p>
@@ -1190,7 +1190,7 @@
           <a:p>
             <a:fld id="{651A0C47-018D-4460-B945-BFF7981B6CA6}" type="datetimeFigureOut">
               <a:rPr lang="en-US" smtClean="0"/>
-              <a:t>3/11/14</a:t>
+              <a:t>3/13/14</a:t>
             </a:fld>
             <a:endParaRPr lang="en-US"/>
           </a:p>
@@ -1522,7 +1522,7 @@
           <a:p>
             <a:fld id="{651A0C47-018D-4460-B945-BFF7981B6CA6}" type="datetimeFigureOut">
               <a:rPr lang="en-US" smtClean="0"/>
-              <a:t>3/11/14</a:t>
+              <a:t>3/13/14</a:t>
             </a:fld>
             <a:endParaRPr lang="en-US"/>
           </a:p>
@@ -1854,7 +1854,7 @@
           <a:p>
             <a:fld id="{651A0C47-018D-4460-B945-BFF7981B6CA6}" type="datetimeFigureOut">
               <a:rPr lang="en-US" smtClean="0"/>
-              <a:t>3/11/14</a:t>
+              <a:t>3/13/14</a:t>
             </a:fld>
             <a:endParaRPr lang="en-US"/>
           </a:p>
@@ -2186,7 +2186,7 @@
           <a:p>
             <a:fld id="{651A0C47-018D-4460-B945-BFF7981B6CA6}" type="datetimeFigureOut">
               <a:rPr lang="en-US" smtClean="0"/>
-              <a:t>3/11/14</a:t>
+              <a:t>3/13/14</a:t>
             </a:fld>
             <a:endParaRPr lang="en-US"/>
           </a:p>
@@ -2875,7 +2875,7 @@
           <a:p>
             <a:fld id="{651A0C47-018D-4460-B945-BFF7981B6CA6}" type="datetimeFigureOut">
               <a:rPr lang="en-US" smtClean="0"/>
-              <a:t>3/11/14</a:t>
+              <a:t>3/13/14</a:t>
             </a:fld>
             <a:endParaRPr lang="en-US"/>
           </a:p>
@@ -3054,7 +3054,7 @@
           <a:p>
             <a:fld id="{651A0C47-018D-4460-B945-BFF7981B6CA6}" type="datetimeFigureOut">
               <a:rPr lang="en-US" smtClean="0"/>
-              <a:t>3/11/14</a:t>
+              <a:t>3/13/14</a:t>
             </a:fld>
             <a:endParaRPr lang="en-US"/>
           </a:p>
@@ -3228,7 +3228,7 @@
           <a:p>
             <a:fld id="{651A0C47-018D-4460-B945-BFF7981B6CA6}" type="datetimeFigureOut">
               <a:rPr lang="en-US" smtClean="0"/>
-              <a:t>3/11/14</a:t>
+              <a:t>3/13/14</a:t>
             </a:fld>
             <a:endParaRPr lang="en-US"/>
           </a:p>
@@ -3476,7 +3476,7 @@
           <a:p>
             <a:fld id="{651A0C47-018D-4460-B945-BFF7981B6CA6}" type="datetimeFigureOut">
               <a:rPr lang="en-US" smtClean="0"/>
-              <a:t>3/11/14</a:t>
+              <a:t>3/13/14</a:t>
             </a:fld>
             <a:endParaRPr lang="en-US"/>
           </a:p>
@@ -3806,7 +3806,7 @@
           <a:p>
             <a:fld id="{651A0C47-018D-4460-B945-BFF7981B6CA6}" type="datetimeFigureOut">
               <a:rPr lang="en-US" smtClean="0"/>
-              <a:t>3/11/14</a:t>
+              <a:t>3/13/14</a:t>
             </a:fld>
             <a:endParaRPr lang="en-US"/>
           </a:p>
@@ -4098,7 +4098,7 @@
           <a:p>
             <a:fld id="{651A0C47-018D-4460-B945-BFF7981B6CA6}" type="datetimeFigureOut">
               <a:rPr lang="en-US" smtClean="0"/>
-              <a:t>3/11/14</a:t>
+              <a:t>3/13/14</a:t>
             </a:fld>
             <a:endParaRPr lang="en-US"/>
           </a:p>
@@ -4534,7 +4534,7 @@
           <a:p>
             <a:fld id="{651A0C47-018D-4460-B945-BFF7981B6CA6}" type="datetimeFigureOut">
               <a:rPr lang="en-US" smtClean="0"/>
-              <a:t>3/11/14</a:t>
+              <a:t>3/13/14</a:t>
             </a:fld>
             <a:endParaRPr lang="en-US"/>
           </a:p>
@@ -4721,7 +4721,7 @@
           <a:p>
             <a:fld id="{651A0C47-018D-4460-B945-BFF7981B6CA6}" type="datetimeFigureOut">
               <a:rPr lang="en-US" smtClean="0"/>
-              <a:t>3/11/14</a:t>
+              <a:t>3/13/14</a:t>
             </a:fld>
             <a:endParaRPr lang="en-US"/>
           </a:p>
@@ -4811,7 +4811,7 @@
           <a:p>
             <a:fld id="{651A0C47-018D-4460-B945-BFF7981B6CA6}" type="datetimeFigureOut">
               <a:rPr lang="en-US" smtClean="0"/>
-              <a:t>3/11/14</a:t>
+              <a:t>3/13/14</a:t>
             </a:fld>
             <a:endParaRPr lang="en-US"/>
           </a:p>
@@ -5092,7 +5092,7 @@
           <a:p>
             <a:fld id="{651A0C47-018D-4460-B945-BFF7981B6CA6}" type="datetimeFigureOut">
               <a:rPr lang="en-US" smtClean="0"/>
-              <a:t>3/11/14</a:t>
+              <a:t>3/13/14</a:t>
             </a:fld>
             <a:endParaRPr lang="en-US"/>
           </a:p>
@@ -5152,8 +5152,8 @@
 <p:sldMaster xmlns:a="http://schemas.openxmlformats.org/drawingml/2006/main" xmlns:r="http://schemas.openxmlformats.org/officeDocument/2006/relationships" xmlns:p="http://schemas.openxmlformats.org/presentationml/2006/main">
   <p:cSld>
     <p:bg>
-      <p:bgRef idx="1003">
-        <a:schemeClr val="bg1"/>
+      <p:bgRef idx="1001">
+        <a:schemeClr val="bg2"/>
       </p:bgRef>
     </p:bg>
     <p:spTree>
@@ -5307,7 +5307,7 @@
           <a:p>
             <a:fld id="{651A0C47-018D-4460-B945-BFF7981B6CA6}" type="datetimeFigureOut">
               <a:rPr lang="en-US" smtClean="0"/>
-              <a:t>3/11/14</a:t>
+              <a:t>3/13/14</a:t>
             </a:fld>
             <a:endParaRPr lang="en-US"/>
           </a:p>
@@ -7938,31 +7938,7 @@
                 </a:solidFill>
                 <a:latin typeface="Menlo"/>
               </a:rPr>
-              <a:t>ng</a:t>
-            </a:r>
-            <a:r>
-              <a:rPr lang="en-US" dirty="0" err="1" smtClean="0">
-                <a:solidFill>
-                  <a:schemeClr val="accent1">
-                    <a:lumMod val="60000"/>
-                    <a:lumOff val="40000"/>
-                  </a:schemeClr>
-                </a:solidFill>
-                <a:latin typeface="Menlo"/>
-              </a:rPr>
-              <a:t>-</a:t>
-            </a:r>
-            <a:r>
-              <a:rPr lang="en-US" dirty="0" err="1" smtClean="0">
-                <a:solidFill>
-                  <a:schemeClr val="accent1">
-                    <a:lumMod val="60000"/>
-                    <a:lumOff val="40000"/>
-                  </a:schemeClr>
-                </a:solidFill>
-                <a:latin typeface="Menlo"/>
-              </a:rPr>
-              <a:t>bootcamp</a:t>
+              <a:t>ng-bootcamp</a:t>
             </a:r>
             <a:endParaRPr lang="en-US" dirty="0">
               <a:solidFill>
@@ -12395,16 +12371,7 @@
                 </a:solidFill>
                 <a:latin typeface="Menlo"/>
               </a:rPr>
-              <a:t>–save </a:t>
-            </a:r>
-            <a:r>
-              <a:rPr lang="en-US" dirty="0" smtClean="0">
-                <a:solidFill>
-                  <a:srgbClr val="F8F8F2"/>
-                </a:solidFill>
-                <a:latin typeface="Menlo"/>
-              </a:rPr>
-              <a:t>bootstrap</a:t>
+              <a:t>–save bootstrap</a:t>
             </a:r>
           </a:p>
           <a:p>
@@ -26642,12 +26609,8 @@
               <a:t>Global </a:t>
             </a:r>
             <a:r>
-              <a:rPr lang="en-US" dirty="0" err="1" smtClean="0"/>
-              <a:t>depenencies</a:t>
-            </a:r>
-            <a:r>
               <a:rPr lang="en-US" dirty="0" smtClean="0"/>
-              <a:t> (</a:t>
+              <a:t>dependencies:  </a:t>
             </a:r>
             <a:r>
               <a:rPr lang="en-US" dirty="0" err="1" smtClean="0"/>
@@ -26655,7 +26618,22 @@
             </a:r>
             <a:r>
               <a:rPr lang="en-US" dirty="0" smtClean="0"/>
-              <a:t> install -g</a:t>
+              <a:t> </a:t>
+            </a:r>
+            <a:r>
+              <a:rPr lang="en-US" dirty="0" smtClean="0"/>
+              <a:t>install </a:t>
+            </a:r>
+            <a:r>
+              <a:rPr lang="en-US" dirty="0" smtClean="0"/>
+              <a:t>-g</a:t>
+            </a:r>
+          </a:p>
+          <a:p>
+            <a:pPr lvl="1"/>
+            <a:r>
+              <a:rPr lang="en-US" dirty="0" smtClean="0"/>
+              <a:t>Should only include command line tools</a:t>
             </a:r>
             <a:endParaRPr lang="en-US" dirty="0"/>
           </a:p>

--- a/slides/ng-bootcamp-day-0.pptx
+++ b/slides/ng-bootcamp-day-0.pptx
@@ -13637,28 +13637,31 @@
           <a:lstStyle/>
           <a:p>
             <a:r>
-              <a:rPr lang="en-US" dirty="0"/>
-              <a:t>https://</a:t>
-            </a:r>
-            <a:r>
-              <a:rPr lang="en-US" dirty="0" err="1"/>
-              <a:t>github.com</a:t>
-            </a:r>
-            <a:r>
-              <a:rPr lang="en-US" dirty="0"/>
-              <a:t>/</a:t>
-            </a:r>
-            <a:r>
-              <a:rPr lang="en-US" dirty="0" err="1"/>
-              <a:t>pmaccart</a:t>
-            </a:r>
-            <a:r>
-              <a:rPr lang="en-US" dirty="0"/>
-              <a:t>/</a:t>
-            </a:r>
-            <a:r>
-              <a:rPr lang="en-US" dirty="0" err="1"/>
+              <a:rPr lang="en-US" dirty="0">
+                <a:hlinkClick r:id="rId2"/>
+              </a:rPr>
+              <a:t>https://github.com/pmaccart/ng-</a:t>
+            </a:r>
+            <a:r>
+              <a:rPr lang="en-US" dirty="0" smtClean="0">
+                <a:hlinkClick r:id="rId2"/>
+              </a:rPr>
+              <a:t>bootcamp</a:t>
+            </a:r>
+            <a:endParaRPr lang="en-US" dirty="0" smtClean="0"/>
+          </a:p>
+          <a:p>
+            <a:r>
+              <a:rPr lang="en-US" dirty="0" smtClean="0"/>
+              <a:t>Suggestion: clone </a:t>
+            </a:r>
+            <a:r>
+              <a:rPr lang="en-US" dirty="0" err="1" smtClean="0"/>
               <a:t>ng-bootcamp</a:t>
+            </a:r>
+            <a:r>
+              <a:rPr lang="en-US" dirty="0" smtClean="0"/>
+              <a:t> repo, but do all work in your own repo (starting from empty directory)</a:t>
             </a:r>
             <a:endParaRPr lang="en-US" dirty="0"/>
           </a:p>
@@ -26606,11 +26609,7 @@
           <a:p>
             <a:r>
               <a:rPr lang="en-US" dirty="0" smtClean="0"/>
-              <a:t>Global </a:t>
-            </a:r>
-            <a:r>
-              <a:rPr lang="en-US" dirty="0" smtClean="0"/>
-              <a:t>dependencies:  </a:t>
+              <a:t>Global dependencies:  </a:t>
             </a:r>
             <a:r>
               <a:rPr lang="en-US" dirty="0" err="1" smtClean="0"/>
@@ -26618,15 +26617,7 @@
             </a:r>
             <a:r>
               <a:rPr lang="en-US" dirty="0" smtClean="0"/>
-              <a:t> </a:t>
-            </a:r>
-            <a:r>
-              <a:rPr lang="en-US" dirty="0" smtClean="0"/>
-              <a:t>install </a:t>
-            </a:r>
-            <a:r>
-              <a:rPr lang="en-US" dirty="0" smtClean="0"/>
-              <a:t>-g</a:t>
+              <a:t> install -g</a:t>
             </a:r>
           </a:p>
           <a:p>

--- a/slides/ng-bootcamp-day-0.pptx
+++ b/slides/ng-bootcamp-day-0.pptx
@@ -5812,6 +5812,13 @@
   <p:clrMapOvr>
     <a:masterClrMapping/>
   </p:clrMapOvr>
+  <p:timing>
+    <p:tnLst>
+      <p:par>
+        <p:cTn xmlns:p14="http://schemas.microsoft.com/office/powerpoint/2010/main" id="1" dur="indefinite" restart="never" nodeType="tmRoot"/>
+      </p:par>
+    </p:tnLst>
+  </p:timing>
 </p:sld>
 </file>
 
@@ -6787,6 +6794,13 @@
   <p:clrMapOvr>
     <a:masterClrMapping/>
   </p:clrMapOvr>
+  <p:timing>
+    <p:tnLst>
+      <p:par>
+        <p:cTn xmlns:p14="http://schemas.microsoft.com/office/powerpoint/2010/main" id="1" dur="indefinite" restart="never" nodeType="tmRoot"/>
+      </p:par>
+    </p:tnLst>
+  </p:timing>
 </p:sld>
 </file>
 
@@ -7155,6 +7169,13 @@
   <p:clrMapOvr>
     <a:masterClrMapping/>
   </p:clrMapOvr>
+  <p:timing>
+    <p:tnLst>
+      <p:par>
+        <p:cTn xmlns:p14="http://schemas.microsoft.com/office/powerpoint/2010/main" id="1" dur="indefinite" restart="never" nodeType="tmRoot"/>
+      </p:par>
+    </p:tnLst>
+  </p:timing>
 </p:sld>
 </file>
 
@@ -7251,6 +7272,13 @@
   <p:clrMapOvr>
     <a:masterClrMapping/>
   </p:clrMapOvr>
+  <p:timing>
+    <p:tnLst>
+      <p:par>
+        <p:cTn xmlns:p14="http://schemas.microsoft.com/office/powerpoint/2010/main" id="1" dur="indefinite" restart="never" nodeType="tmRoot"/>
+      </p:par>
+    </p:tnLst>
+  </p:timing>
 </p:sld>
 </file>
 
@@ -7488,6 +7516,13 @@
   <p:clrMapOvr>
     <a:masterClrMapping/>
   </p:clrMapOvr>
+  <p:timing>
+    <p:tnLst>
+      <p:par>
+        <p:cTn xmlns:p14="http://schemas.microsoft.com/office/powerpoint/2010/main" id="1" dur="indefinite" restart="never" nodeType="tmRoot"/>
+      </p:par>
+    </p:tnLst>
+  </p:timing>
 </p:sld>
 </file>
 
@@ -7602,6 +7637,13 @@
   <p:clrMapOvr>
     <a:masterClrMapping/>
   </p:clrMapOvr>
+  <p:timing>
+    <p:tnLst>
+      <p:par>
+        <p:cTn xmlns:p14="http://schemas.microsoft.com/office/powerpoint/2010/main" id="1" dur="indefinite" restart="never" nodeType="tmRoot"/>
+      </p:par>
+    </p:tnLst>
+  </p:timing>
 </p:sld>
 </file>
 
@@ -7705,6 +7747,13 @@
   <p:clrMapOvr>
     <a:masterClrMapping/>
   </p:clrMapOvr>
+  <p:timing>
+    <p:tnLst>
+      <p:par>
+        <p:cTn xmlns:p14="http://schemas.microsoft.com/office/powerpoint/2010/main" id="1" dur="indefinite" restart="never" nodeType="tmRoot"/>
+      </p:par>
+    </p:tnLst>
+  </p:timing>
 </p:sld>
 </file>
 
@@ -7832,6 +7881,13 @@
   <p:clrMapOvr>
     <a:masterClrMapping/>
   </p:clrMapOvr>
+  <p:timing>
+    <p:tnLst>
+      <p:par>
+        <p:cTn xmlns:p14="http://schemas.microsoft.com/office/powerpoint/2010/main" id="1" dur="indefinite" restart="never" nodeType="tmRoot"/>
+      </p:par>
+    </p:tnLst>
+  </p:timing>
 </p:sld>
 </file>
 
@@ -7892,7 +7948,7 @@
         <p:spPr>
           <a:xfrm>
             <a:off x="343220" y="1550894"/>
-            <a:ext cx="8456613" cy="5078314"/>
+            <a:ext cx="8456613" cy="5632312"/>
           </a:xfrm>
           <a:prstGeom prst="rect">
             <a:avLst/>
@@ -7987,13 +8043,59 @@
               <a:t> install -g </a:t>
             </a:r>
             <a:r>
-              <a:rPr lang="en-US" dirty="0" err="1">
+              <a:rPr lang="en-US" dirty="0" err="1" smtClean="0">
                 <a:solidFill>
                   <a:srgbClr val="F8F8F2"/>
                 </a:solidFill>
                 <a:latin typeface="Menlo"/>
               </a:rPr>
               <a:t>yo</a:t>
+            </a:r>
+            <a:endParaRPr lang="en-US" dirty="0" smtClean="0">
+              <a:solidFill>
+                <a:srgbClr val="F8F8F2"/>
+              </a:solidFill>
+              <a:latin typeface="Menlo"/>
+            </a:endParaRPr>
+          </a:p>
+          <a:p>
+            <a:r>
+              <a:rPr lang="en-US" dirty="0" err="1" smtClean="0">
+                <a:solidFill>
+                  <a:srgbClr val="F8F8F2"/>
+                </a:solidFill>
+                <a:latin typeface="Menlo"/>
+              </a:rPr>
+              <a:t>npm</a:t>
+            </a:r>
+            <a:r>
+              <a:rPr lang="en-US" dirty="0" smtClean="0">
+                <a:solidFill>
+                  <a:srgbClr val="F8F8F2"/>
+                </a:solidFill>
+                <a:latin typeface="Menlo"/>
+              </a:rPr>
+              <a:t> install –g bower</a:t>
+            </a:r>
+          </a:p>
+          <a:p>
+            <a:r>
+              <a:rPr lang="en-US" dirty="0" err="1" smtClean="0">
+                <a:solidFill>
+                  <a:srgbClr val="F8F8F2"/>
+                </a:solidFill>
+                <a:latin typeface="Menlo"/>
+              </a:rPr>
+              <a:t>npm</a:t>
+            </a:r>
+            <a:r>
+              <a:rPr lang="en-US" dirty="0" smtClean="0">
+                <a:solidFill>
+                  <a:srgbClr val="F8F8F2"/>
+                </a:solidFill>
+                <a:latin typeface="Menlo"/>
+              </a:rPr>
+              <a:t> install –g grunt-cli</a:t>
             </a:r>
             <a:endParaRPr lang="en-US" dirty="0">
               <a:solidFill>
@@ -8412,6 +8514,13 @@
   <p:clrMapOvr>
     <a:masterClrMapping/>
   </p:clrMapOvr>
+  <p:timing>
+    <p:tnLst>
+      <p:par>
+        <p:cTn xmlns:p14="http://schemas.microsoft.com/office/powerpoint/2010/main" id="1" dur="indefinite" restart="never" nodeType="tmRoot"/>
+      </p:par>
+    </p:tnLst>
+  </p:timing>
 </p:sld>
 </file>
 
@@ -8492,6 +8601,13 @@
   <p:clrMapOvr>
     <a:masterClrMapping/>
   </p:clrMapOvr>
+  <p:timing>
+    <p:tnLst>
+      <p:par>
+        <p:cTn xmlns:p14="http://schemas.microsoft.com/office/powerpoint/2010/main" id="1" dur="indefinite" restart="never" nodeType="tmRoot"/>
+      </p:par>
+    </p:tnLst>
+  </p:timing>
 </p:sld>
 </file>
 
@@ -8599,6 +8715,13 @@
   <p:clrMapOvr>
     <a:masterClrMapping/>
   </p:clrMapOvr>
+  <p:timing>
+    <p:tnLst>
+      <p:par>
+        <p:cTn xmlns:p14="http://schemas.microsoft.com/office/powerpoint/2010/main" id="1" dur="indefinite" restart="never" nodeType="tmRoot"/>
+      </p:par>
+    </p:tnLst>
+  </p:timing>
 </p:sld>
 </file>
 
@@ -8776,6 +8899,13 @@
   <p:clrMapOvr>
     <a:masterClrMapping/>
   </p:clrMapOvr>
+  <p:timing>
+    <p:tnLst>
+      <p:par>
+        <p:cTn xmlns:p14="http://schemas.microsoft.com/office/powerpoint/2010/main" id="1" dur="indefinite" restart="never" nodeType="tmRoot"/>
+      </p:par>
+    </p:tnLst>
+  </p:timing>
 </p:sld>
 </file>
 
@@ -8870,6 +9000,13 @@
   <p:clrMapOvr>
     <a:masterClrMapping/>
   </p:clrMapOvr>
+  <p:timing>
+    <p:tnLst>
+      <p:par>
+        <p:cTn xmlns:p14="http://schemas.microsoft.com/office/powerpoint/2010/main" id="1" dur="indefinite" restart="never" nodeType="tmRoot"/>
+      </p:par>
+    </p:tnLst>
+  </p:timing>
 </p:sld>
 </file>
 
@@ -9362,6 +9499,13 @@
   <p:clrMapOvr>
     <a:masterClrMapping/>
   </p:clrMapOvr>
+  <p:timing>
+    <p:tnLst>
+      <p:par>
+        <p:cTn xmlns:p14="http://schemas.microsoft.com/office/powerpoint/2010/main" id="1" dur="indefinite" restart="never" nodeType="tmRoot"/>
+      </p:par>
+    </p:tnLst>
+  </p:timing>
 </p:sld>
 </file>
 
@@ -10278,6 +10422,13 @@
   <p:clrMapOvr>
     <a:masterClrMapping/>
   </p:clrMapOvr>
+  <p:timing>
+    <p:tnLst>
+      <p:par>
+        <p:cTn xmlns:p14="http://schemas.microsoft.com/office/powerpoint/2010/main" id="1" dur="indefinite" restart="never" nodeType="tmRoot"/>
+      </p:par>
+    </p:tnLst>
+  </p:timing>
 </p:sld>
 </file>
 
@@ -10572,6 +10723,13 @@
   <p:clrMapOvr>
     <a:masterClrMapping/>
   </p:clrMapOvr>
+  <p:timing>
+    <p:tnLst>
+      <p:par>
+        <p:cTn xmlns:p14="http://schemas.microsoft.com/office/powerpoint/2010/main" id="1" dur="indefinite" restart="never" nodeType="tmRoot"/>
+      </p:par>
+    </p:tnLst>
+  </p:timing>
 </p:sld>
 </file>
 
@@ -11136,6 +11294,13 @@
   <p:clrMapOvr>
     <a:masterClrMapping/>
   </p:clrMapOvr>
+  <p:timing>
+    <p:tnLst>
+      <p:par>
+        <p:cTn xmlns:p14="http://schemas.microsoft.com/office/powerpoint/2010/main" id="1" dur="indefinite" restart="never" nodeType="tmRoot"/>
+      </p:par>
+    </p:tnLst>
+  </p:timing>
 </p:sld>
 </file>
 
@@ -11242,6 +11407,13 @@
   <p:clrMapOvr>
     <a:masterClrMapping/>
   </p:clrMapOvr>
+  <p:timing>
+    <p:tnLst>
+      <p:par>
+        <p:cTn xmlns:p14="http://schemas.microsoft.com/office/powerpoint/2010/main" id="1" dur="indefinite" restart="never" nodeType="tmRoot"/>
+      </p:par>
+    </p:tnLst>
+  </p:timing>
 </p:sld>
 </file>
 
@@ -12167,6 +12339,13 @@
   <p:clrMapOvr>
     <a:masterClrMapping/>
   </p:clrMapOvr>
+  <p:timing>
+    <p:tnLst>
+      <p:par>
+        <p:cTn xmlns:p14="http://schemas.microsoft.com/office/powerpoint/2010/main" id="1" dur="indefinite" restart="never" nodeType="tmRoot"/>
+      </p:par>
+    </p:tnLst>
+  </p:timing>
 </p:sld>
 </file>
 
@@ -12289,6 +12468,13 @@
   <p:clrMapOvr>
     <a:masterClrMapping/>
   </p:clrMapOvr>
+  <p:timing>
+    <p:tnLst>
+      <p:par>
+        <p:cTn xmlns:p14="http://schemas.microsoft.com/office/powerpoint/2010/main" id="1" dur="indefinite" restart="never" nodeType="tmRoot"/>
+      </p:par>
+    </p:tnLst>
+  </p:timing>
 </p:sld>
 </file>
 
@@ -12362,7 +12548,34 @@
                 </a:solidFill>
                 <a:latin typeface="Menlo"/>
               </a:rPr>
-              <a:t>bower install </a:t>
+              <a:t>bower </a:t>
+            </a:r>
+            <a:r>
+              <a:rPr lang="en-US">
+                <a:solidFill>
+                  <a:srgbClr val="F8F8F2"/>
+                </a:solidFill>
+                <a:latin typeface="Menlo"/>
+              </a:rPr>
+              <a:t>install </a:t>
+            </a:r>
+            <a:r>
+              <a:rPr lang="en-US" smtClean="0">
+                <a:solidFill>
+                  <a:srgbClr val="F8F8F2"/>
+                </a:solidFill>
+                <a:latin typeface="Menlo"/>
+              </a:rPr>
+              <a:t>--</a:t>
+            </a:r>
+            <a:r>
+              <a:rPr lang="en-US" smtClean="0">
+                <a:solidFill>
+                  <a:srgbClr val="F8F8F2"/>
+                </a:solidFill>
+                <a:latin typeface="Menlo"/>
+              </a:rPr>
+              <a:t>save </a:t>
             </a:r>
             <a:r>
               <a:rPr lang="en-US" dirty="0" smtClean="0">
@@ -12371,7 +12584,7 @@
                 </a:solidFill>
                 <a:latin typeface="Menlo"/>
               </a:rPr>
-              <a:t>–save bootstrap</a:t>
+              <a:t>bootstrap</a:t>
             </a:r>
           </a:p>
           <a:p>
@@ -12412,6 +12625,13 @@
   <p:clrMapOvr>
     <a:masterClrMapping/>
   </p:clrMapOvr>
+  <p:timing>
+    <p:tnLst>
+      <p:par>
+        <p:cTn xmlns:p14="http://schemas.microsoft.com/office/powerpoint/2010/main" id="1" dur="indefinite" restart="never" nodeType="tmRoot"/>
+      </p:par>
+    </p:tnLst>
+  </p:timing>
 </p:sld>
 </file>
 
@@ -13574,6 +13794,13 @@
   <p:clrMapOvr>
     <a:masterClrMapping/>
   </p:clrMapOvr>
+  <p:timing>
+    <p:tnLst>
+      <p:par>
+        <p:cTn xmlns:p14="http://schemas.microsoft.com/office/powerpoint/2010/main" id="1" dur="indefinite" restart="never" nodeType="tmRoot"/>
+      </p:par>
+    </p:tnLst>
+  </p:timing>
 </p:sld>
 </file>
 
@@ -13677,6 +13904,13 @@
   <p:clrMapOvr>
     <a:masterClrMapping/>
   </p:clrMapOvr>
+  <p:timing>
+    <p:tnLst>
+      <p:par>
+        <p:cTn xmlns:p14="http://schemas.microsoft.com/office/powerpoint/2010/main" id="1" dur="indefinite" restart="never" nodeType="tmRoot"/>
+      </p:par>
+    </p:tnLst>
+  </p:timing>
 </p:sld>
 </file>
 
@@ -13814,6 +14048,13 @@
   <p:clrMapOvr>
     <a:masterClrMapping/>
   </p:clrMapOvr>
+  <p:timing>
+    <p:tnLst>
+      <p:par>
+        <p:cTn xmlns:p14="http://schemas.microsoft.com/office/powerpoint/2010/main" id="1" dur="indefinite" restart="never" nodeType="tmRoot"/>
+      </p:par>
+    </p:tnLst>
+  </p:timing>
 </p:sld>
 </file>
 
@@ -17096,6 +17337,13 @@
   <p:clrMapOvr>
     <a:masterClrMapping/>
   </p:clrMapOvr>
+  <p:timing>
+    <p:tnLst>
+      <p:par>
+        <p:cTn xmlns:p14="http://schemas.microsoft.com/office/powerpoint/2010/main" id="1" dur="indefinite" restart="never" nodeType="tmRoot"/>
+      </p:par>
+    </p:tnLst>
+  </p:timing>
 </p:sld>
 </file>
 
@@ -17237,6 +17485,13 @@
   <p:clrMapOvr>
     <a:masterClrMapping/>
   </p:clrMapOvr>
+  <p:timing>
+    <p:tnLst>
+      <p:par>
+        <p:cTn xmlns:p14="http://schemas.microsoft.com/office/powerpoint/2010/main" id="1" dur="indefinite" restart="never" nodeType="tmRoot"/>
+      </p:par>
+    </p:tnLst>
+  </p:timing>
 </p:sld>
 </file>
 
@@ -17798,6 +18053,13 @@
   <p:clrMapOvr>
     <a:masterClrMapping/>
   </p:clrMapOvr>
+  <p:timing>
+    <p:tnLst>
+      <p:par>
+        <p:cTn xmlns:p14="http://schemas.microsoft.com/office/powerpoint/2010/main" id="1" dur="indefinite" restart="never" nodeType="tmRoot"/>
+      </p:par>
+    </p:tnLst>
+  </p:timing>
 </p:sld>
 </file>
 
@@ -18176,6 +18438,13 @@
   <p:clrMapOvr>
     <a:masterClrMapping/>
   </p:clrMapOvr>
+  <p:timing>
+    <p:tnLst>
+      <p:par>
+        <p:cTn xmlns:p14="http://schemas.microsoft.com/office/powerpoint/2010/main" id="1" dur="indefinite" restart="never" nodeType="tmRoot"/>
+      </p:par>
+    </p:tnLst>
+  </p:timing>
 </p:sld>
 </file>
 
@@ -18815,6 +19084,13 @@
   <p:clrMapOvr>
     <a:masterClrMapping/>
   </p:clrMapOvr>
+  <p:timing>
+    <p:tnLst>
+      <p:par>
+        <p:cTn xmlns:p14="http://schemas.microsoft.com/office/powerpoint/2010/main" id="1" dur="indefinite" restart="never" nodeType="tmRoot"/>
+      </p:par>
+    </p:tnLst>
+  </p:timing>
 </p:sld>
 </file>
 
@@ -18902,6 +19178,13 @@
   <p:clrMapOvr>
     <a:masterClrMapping/>
   </p:clrMapOvr>
+  <p:timing>
+    <p:tnLst>
+      <p:par>
+        <p:cTn xmlns:p14="http://schemas.microsoft.com/office/powerpoint/2010/main" id="1" dur="indefinite" restart="never" nodeType="tmRoot"/>
+      </p:par>
+    </p:tnLst>
+  </p:timing>
 </p:sld>
 </file>
 
@@ -19009,6 +19292,13 @@
   <p:clrMapOvr>
     <a:masterClrMapping/>
   </p:clrMapOvr>
+  <p:timing>
+    <p:tnLst>
+      <p:par>
+        <p:cTn xmlns:p14="http://schemas.microsoft.com/office/powerpoint/2010/main" id="1" dur="indefinite" restart="never" nodeType="tmRoot"/>
+      </p:par>
+    </p:tnLst>
+  </p:timing>
 </p:sld>
 </file>
 
@@ -19138,6 +19428,13 @@
   <p:clrMapOvr>
     <a:masterClrMapping/>
   </p:clrMapOvr>
+  <p:timing>
+    <p:tnLst>
+      <p:par>
+        <p:cTn xmlns:p14="http://schemas.microsoft.com/office/powerpoint/2010/main" id="1" dur="indefinite" restart="never" nodeType="tmRoot"/>
+      </p:par>
+    </p:tnLst>
+  </p:timing>
 </p:sld>
 </file>
 
@@ -19218,6 +19515,13 @@
   <p:clrMapOvr>
     <a:masterClrMapping/>
   </p:clrMapOvr>
+  <p:timing>
+    <p:tnLst>
+      <p:par>
+        <p:cTn xmlns:p14="http://schemas.microsoft.com/office/powerpoint/2010/main" id="1" dur="indefinite" restart="never" nodeType="tmRoot"/>
+      </p:par>
+    </p:tnLst>
+  </p:timing>
 </p:sld>
 </file>
 
@@ -19325,6 +19629,13 @@
   <p:clrMapOvr>
     <a:masterClrMapping/>
   </p:clrMapOvr>
+  <p:timing>
+    <p:tnLst>
+      <p:par>
+        <p:cTn xmlns:p14="http://schemas.microsoft.com/office/powerpoint/2010/main" id="1" dur="indefinite" restart="never" nodeType="tmRoot"/>
+      </p:par>
+    </p:tnLst>
+  </p:timing>
 </p:sld>
 </file>
 
@@ -19593,6 +19904,13 @@
   <p:clrMapOvr>
     <a:masterClrMapping/>
   </p:clrMapOvr>
+  <p:timing>
+    <p:tnLst>
+      <p:par>
+        <p:cTn xmlns:p14="http://schemas.microsoft.com/office/powerpoint/2010/main" id="1" dur="indefinite" restart="never" nodeType="tmRoot"/>
+      </p:par>
+    </p:tnLst>
+  </p:timing>
 </p:sld>
 </file>
 
@@ -21343,6 +21661,13 @@
   <p:clrMapOvr>
     <a:masterClrMapping/>
   </p:clrMapOvr>
+  <p:timing>
+    <p:tnLst>
+      <p:par>
+        <p:cTn xmlns:p14="http://schemas.microsoft.com/office/powerpoint/2010/main" id="1" dur="indefinite" restart="never" nodeType="tmRoot"/>
+      </p:par>
+    </p:tnLst>
+  </p:timing>
 </p:sld>
 </file>
 
@@ -21536,6 +21861,13 @@
   <p:clrMapOvr>
     <a:masterClrMapping/>
   </p:clrMapOvr>
+  <p:timing>
+    <p:tnLst>
+      <p:par>
+        <p:cTn xmlns:p14="http://schemas.microsoft.com/office/powerpoint/2010/main" id="1" dur="indefinite" restart="never" nodeType="tmRoot"/>
+      </p:par>
+    </p:tnLst>
+  </p:timing>
 </p:sld>
 </file>
 
@@ -21616,6 +21948,13 @@
   <p:clrMapOvr>
     <a:masterClrMapping/>
   </p:clrMapOvr>
+  <p:timing>
+    <p:tnLst>
+      <p:par>
+        <p:cTn xmlns:p14="http://schemas.microsoft.com/office/powerpoint/2010/main" id="1" dur="indefinite" restart="never" nodeType="tmRoot"/>
+      </p:par>
+    </p:tnLst>
+  </p:timing>
 </p:sld>
 </file>
 
@@ -21733,6 +22072,13 @@
   <p:clrMapOvr>
     <a:masterClrMapping/>
   </p:clrMapOvr>
+  <p:timing>
+    <p:tnLst>
+      <p:par>
+        <p:cTn xmlns:p14="http://schemas.microsoft.com/office/powerpoint/2010/main" id="1" dur="indefinite" restart="never" nodeType="tmRoot"/>
+      </p:par>
+    </p:tnLst>
+  </p:timing>
 </p:sld>
 </file>
 
@@ -21845,6 +22191,13 @@
   <p:clrMapOvr>
     <a:masterClrMapping/>
   </p:clrMapOvr>
+  <p:timing>
+    <p:tnLst>
+      <p:par>
+        <p:cTn xmlns:p14="http://schemas.microsoft.com/office/powerpoint/2010/main" id="1" dur="indefinite" restart="never" nodeType="tmRoot"/>
+      </p:par>
+    </p:tnLst>
+  </p:timing>
 </p:sld>
 </file>
 
@@ -22853,6 +23206,13 @@
   <p:clrMapOvr>
     <a:masterClrMapping/>
   </p:clrMapOvr>
+  <p:timing>
+    <p:tnLst>
+      <p:par>
+        <p:cTn xmlns:p14="http://schemas.microsoft.com/office/powerpoint/2010/main" id="1" dur="indefinite" restart="never" nodeType="tmRoot"/>
+      </p:par>
+    </p:tnLst>
+  </p:timing>
 </p:sld>
 </file>
 
@@ -23223,6 +23583,13 @@
   <p:clrMapOvr>
     <a:masterClrMapping/>
   </p:clrMapOvr>
+  <p:timing>
+    <p:tnLst>
+      <p:par>
+        <p:cTn xmlns:p14="http://schemas.microsoft.com/office/powerpoint/2010/main" id="1" dur="indefinite" restart="never" nodeType="tmRoot"/>
+      </p:par>
+    </p:tnLst>
+  </p:timing>
 </p:sld>
 </file>
 
@@ -23303,6 +23670,13 @@
   <p:clrMapOvr>
     <a:masterClrMapping/>
   </p:clrMapOvr>
+  <p:timing>
+    <p:tnLst>
+      <p:par>
+        <p:cTn xmlns:p14="http://schemas.microsoft.com/office/powerpoint/2010/main" id="1" dur="indefinite" restart="never" nodeType="tmRoot"/>
+      </p:par>
+    </p:tnLst>
+  </p:timing>
 </p:sld>
 </file>
 
@@ -24003,6 +24377,13 @@
   <p:clrMapOvr>
     <a:masterClrMapping/>
   </p:clrMapOvr>
+  <p:timing>
+    <p:tnLst>
+      <p:par>
+        <p:cTn xmlns:p14="http://schemas.microsoft.com/office/powerpoint/2010/main" id="1" dur="indefinite" restart="never" nodeType="tmRoot"/>
+      </p:par>
+    </p:tnLst>
+  </p:timing>
 </p:sld>
 </file>
 
@@ -24083,6 +24464,13 @@
   <p:clrMapOvr>
     <a:masterClrMapping/>
   </p:clrMapOvr>
+  <p:timing>
+    <p:tnLst>
+      <p:par>
+        <p:cTn xmlns:p14="http://schemas.microsoft.com/office/powerpoint/2010/main" id="1" dur="indefinite" restart="never" nodeType="tmRoot"/>
+      </p:par>
+    </p:tnLst>
+  </p:timing>
 </p:sld>
 </file>
 
@@ -25437,6 +25825,13 @@
   <p:clrMapOvr>
     <a:masterClrMapping/>
   </p:clrMapOvr>
+  <p:timing>
+    <p:tnLst>
+      <p:par>
+        <p:cTn xmlns:p14="http://schemas.microsoft.com/office/powerpoint/2010/main" id="1" dur="indefinite" restart="never" nodeType="tmRoot"/>
+      </p:par>
+    </p:tnLst>
+  </p:timing>
 </p:sld>
 </file>
 
@@ -25517,6 +25912,13 @@
   <p:clrMapOvr>
     <a:masterClrMapping/>
   </p:clrMapOvr>
+  <p:timing>
+    <p:tnLst>
+      <p:par>
+        <p:cTn xmlns:p14="http://schemas.microsoft.com/office/powerpoint/2010/main" id="1" dur="indefinite" restart="never" nodeType="tmRoot"/>
+      </p:par>
+    </p:tnLst>
+  </p:timing>
 </p:sld>
 </file>
 
@@ -25639,6 +26041,13 @@
   <p:clrMapOvr>
     <a:masterClrMapping/>
   </p:clrMapOvr>
+  <p:timing>
+    <p:tnLst>
+      <p:par>
+        <p:cTn xmlns:p14="http://schemas.microsoft.com/office/powerpoint/2010/main" id="1" dur="indefinite" restart="never" nodeType="tmRoot"/>
+      </p:par>
+    </p:tnLst>
+  </p:timing>
 </p:sld>
 </file>
 
@@ -25754,6 +26163,13 @@
   <p:clrMapOvr>
     <a:masterClrMapping/>
   </p:clrMapOvr>
+  <p:timing>
+    <p:tnLst>
+      <p:par>
+        <p:cTn xmlns:p14="http://schemas.microsoft.com/office/powerpoint/2010/main" id="1" dur="indefinite" restart="never" nodeType="tmRoot"/>
+      </p:par>
+    </p:tnLst>
+  </p:timing>
 </p:sld>
 </file>
 
@@ -26395,6 +26811,13 @@
   <p:clrMapOvr>
     <a:masterClrMapping/>
   </p:clrMapOvr>
+  <p:timing>
+    <p:tnLst>
+      <p:par>
+        <p:cTn xmlns:p14="http://schemas.microsoft.com/office/powerpoint/2010/main" id="1" dur="indefinite" restart="never" nodeType="tmRoot"/>
+      </p:par>
+    </p:tnLst>
+  </p:timing>
 </p:sld>
 </file>
 
@@ -26482,6 +26905,13 @@
   <p:clrMapOvr>
     <a:masterClrMapping/>
   </p:clrMapOvr>
+  <p:timing>
+    <p:tnLst>
+      <p:par>
+        <p:cTn xmlns:p14="http://schemas.microsoft.com/office/powerpoint/2010/main" id="1" dur="indefinite" restart="never" nodeType="tmRoot"/>
+      </p:par>
+    </p:tnLst>
+  </p:timing>
 </p:sld>
 </file>
 
@@ -26640,6 +27070,13 @@
   <p:clrMapOvr>
     <a:masterClrMapping/>
   </p:clrMapOvr>
+  <p:timing>
+    <p:tnLst>
+      <p:par>
+        <p:cTn xmlns:p14="http://schemas.microsoft.com/office/powerpoint/2010/main" id="1" dur="indefinite" restart="never" nodeType="tmRoot"/>
+      </p:par>
+    </p:tnLst>
+  </p:timing>
 </p:sld>
 </file>
 
